--- a/E-Invoice Group 3 Slide.pptx
+++ b/E-Invoice Group 3 Slide.pptx
@@ -20,14 +20,14 @@
   <p:notesSz cx="6858000" cy="9144000"/>
   <p:embeddedFontLst>
     <p:embeddedFont>
-      <p:font typeface="Titillium Web ExtraLight" charset="0"/>
+      <p:font typeface="Titillium Web" panose="020B0604020202020204" charset="0"/>
       <p:regular r:id="rId10"/>
       <p:bold r:id="rId11"/>
       <p:italic r:id="rId12"/>
       <p:boldItalic r:id="rId13"/>
     </p:embeddedFont>
     <p:embeddedFont>
-      <p:font typeface="Titillium Web" charset="0"/>
+      <p:font typeface="Titillium Web ExtraLight" panose="020B0604020202020204" charset="0"/>
       <p:regular r:id="rId14"/>
       <p:bold r:id="rId15"/>
       <p:italic r:id="rId16"/>
@@ -2691,17 +2691,17 @@
   <dgm:cxnLst>
     <dgm:cxn modelId="{03D1D3AB-396F-42DB-8806-0ED023FCF82A}" srcId="{0C99C65D-62EB-4EAF-A7E7-5FDD5BF99E18}" destId="{90D072B9-36CF-4467-A21A-2FD7B6FA1863}" srcOrd="4" destOrd="0" parTransId="{631959D1-89F6-4983-82FE-4C498661A808}" sibTransId="{1B819F6B-30DB-4EA3-92A1-D8A071C4748F}"/>
     <dgm:cxn modelId="{23077BC9-E808-485A-AC69-3CDAB6358B07}" type="presOf" srcId="{0DD0DEB8-789D-4BFF-AA85-AE8CC34C96DD}" destId="{C554B295-9E31-41D8-8281-755BE6EAD115}" srcOrd="0" destOrd="0" presId="urn:microsoft.com/office/officeart/2005/8/layout/cycle6"/>
+    <dgm:cxn modelId="{81840DC0-4400-435B-82EC-971DAE5B985E}" type="presOf" srcId="{90D072B9-36CF-4467-A21A-2FD7B6FA1863}" destId="{857EF101-CED2-4133-9B49-B0A90236F16D}" srcOrd="0" destOrd="0" presId="urn:microsoft.com/office/officeart/2005/8/layout/cycle6"/>
     <dgm:cxn modelId="{D666EDEC-829A-4847-840A-6A488DEFD3CF}" type="presOf" srcId="{CBFE9B3A-5CC4-4056-8912-7DFF779F3941}" destId="{75FB16AC-0AFE-4DEA-99C0-1F77AD1FA031}" srcOrd="0" destOrd="0" presId="urn:microsoft.com/office/officeart/2005/8/layout/cycle6"/>
-    <dgm:cxn modelId="{81840DC0-4400-435B-82EC-971DAE5B985E}" type="presOf" srcId="{90D072B9-36CF-4467-A21A-2FD7B6FA1863}" destId="{857EF101-CED2-4133-9B49-B0A90236F16D}" srcOrd="0" destOrd="0" presId="urn:microsoft.com/office/officeart/2005/8/layout/cycle6"/>
+    <dgm:cxn modelId="{B0319493-FEDE-470C-A940-6A32F0F97758}" type="presOf" srcId="{0C99C65D-62EB-4EAF-A7E7-5FDD5BF99E18}" destId="{01FF2AA3-54E7-4D07-82EB-AE66D505A235}" srcOrd="0" destOrd="0" presId="urn:microsoft.com/office/officeart/2005/8/layout/cycle6"/>
     <dgm:cxn modelId="{1E793200-ED89-4AC4-8EBA-7958068D90E0}" srcId="{0C99C65D-62EB-4EAF-A7E7-5FDD5BF99E18}" destId="{51B0DDAC-0EA1-4C56-B740-FE14664D2738}" srcOrd="1" destOrd="0" parTransId="{FA375F55-DCA0-44F4-B3A7-0AD109EA1FF6}" sibTransId="{B13C4F0F-56D2-48A3-8FB4-FA50C76A670D}"/>
-    <dgm:cxn modelId="{B0319493-FEDE-470C-A940-6A32F0F97758}" type="presOf" srcId="{0C99C65D-62EB-4EAF-A7E7-5FDD5BF99E18}" destId="{01FF2AA3-54E7-4D07-82EB-AE66D505A235}" srcOrd="0" destOrd="0" presId="urn:microsoft.com/office/officeart/2005/8/layout/cycle6"/>
     <dgm:cxn modelId="{22F011E0-00CC-42F7-B20B-7E7ED6ADEE41}" srcId="{0C99C65D-62EB-4EAF-A7E7-5FDD5BF99E18}" destId="{192D428C-0A23-4607-ACBD-5838BC1C0571}" srcOrd="2" destOrd="0" parTransId="{6819EF90-1847-4428-B09D-E04864ECC0CC}" sibTransId="{83BD18A2-31B9-425D-8031-0E417E1C99D2}"/>
     <dgm:cxn modelId="{B600D204-C5BB-45C1-AC0F-A8008A7620AD}" type="presOf" srcId="{83BD18A2-31B9-425D-8031-0E417E1C99D2}" destId="{56833C1B-423F-4E5B-BEFD-CC2EFBE2D8F7}" srcOrd="0" destOrd="0" presId="urn:microsoft.com/office/officeart/2005/8/layout/cycle6"/>
     <dgm:cxn modelId="{48E2AF2B-D153-4E47-B6DC-05BCE66C3381}" type="presOf" srcId="{B13C4F0F-56D2-48A3-8FB4-FA50C76A670D}" destId="{14DE3FBC-2D2C-492E-AC28-2CD8186E6C7B}" srcOrd="0" destOrd="0" presId="urn:microsoft.com/office/officeart/2005/8/layout/cycle6"/>
     <dgm:cxn modelId="{A22219A0-B56E-4B62-A3FA-77E73F0D2908}" type="presOf" srcId="{CEA40432-3D14-4C45-8224-DC48DF165D86}" destId="{1E1AD661-3A2E-4569-89BB-EA9841E92D38}" srcOrd="0" destOrd="0" presId="urn:microsoft.com/office/officeart/2005/8/layout/cycle6"/>
     <dgm:cxn modelId="{068A9FE6-D74E-4FE3-BB6E-602902712274}" type="presOf" srcId="{51B0DDAC-0EA1-4C56-B740-FE14664D2738}" destId="{070D9718-DE75-4319-8F41-9B7D8078CBAE}" srcOrd="0" destOrd="0" presId="urn:microsoft.com/office/officeart/2005/8/layout/cycle6"/>
+    <dgm:cxn modelId="{AE0842BF-B51F-4EE2-A8A0-1417956A3D6F}" type="presOf" srcId="{1B819F6B-30DB-4EA3-92A1-D8A071C4748F}" destId="{F69D596D-FB36-4CB5-8883-D6FDC91CF299}" srcOrd="0" destOrd="0" presId="urn:microsoft.com/office/officeart/2005/8/layout/cycle6"/>
     <dgm:cxn modelId="{E369E21F-E2D4-447F-8574-BB8957F68492}" type="presOf" srcId="{BAB2A4B5-D7FF-47BD-B05F-D52C4673E972}" destId="{D4435B2E-3331-47ED-8918-1B7918C02F29}" srcOrd="0" destOrd="0" presId="urn:microsoft.com/office/officeart/2005/8/layout/cycle6"/>
-    <dgm:cxn modelId="{AE0842BF-B51F-4EE2-A8A0-1417956A3D6F}" type="presOf" srcId="{1B819F6B-30DB-4EA3-92A1-D8A071C4748F}" destId="{F69D596D-FB36-4CB5-8883-D6FDC91CF299}" srcOrd="0" destOrd="0" presId="urn:microsoft.com/office/officeart/2005/8/layout/cycle6"/>
     <dgm:cxn modelId="{946DBF5A-8477-4B0A-A998-B297D0F71B07}" srcId="{0C99C65D-62EB-4EAF-A7E7-5FDD5BF99E18}" destId="{CBFE9B3A-5CC4-4056-8912-7DFF779F3941}" srcOrd="0" destOrd="0" parTransId="{AB79D6C9-A649-415B-A624-8C09C0C193B0}" sibTransId="{BAB2A4B5-D7FF-47BD-B05F-D52C4673E972}"/>
     <dgm:cxn modelId="{AE01DC3A-1182-4FC8-B631-973C1118EBE2}" type="presOf" srcId="{192D428C-0A23-4607-ACBD-5838BC1C0571}" destId="{69485D77-EC25-49F0-9875-8C7B243A362B}" srcOrd="0" destOrd="0" presId="urn:microsoft.com/office/officeart/2005/8/layout/cycle6"/>
     <dgm:cxn modelId="{4C15EB2F-C434-469D-A49C-78CE1F23564E}" srcId="{0C99C65D-62EB-4EAF-A7E7-5FDD5BF99E18}" destId="{0DD0DEB8-789D-4BFF-AA85-AE8CC34C96DD}" srcOrd="3" destOrd="0" parTransId="{7D27B39F-FD61-4D5F-8F96-1B8D59D4ABE2}" sibTransId="{CEA40432-3D14-4C45-8224-DC48DF165D86}"/>
@@ -44198,13 +44198,13 @@
   <p:clrMapOvr>
     <a:masterClrMapping/>
   </p:clrMapOvr>
-  <mc:AlternateContent xmlns:mc="http://schemas.openxmlformats.org/markup-compatibility/2006">
-    <mc:Choice xmlns:p14="http://schemas.microsoft.com/office/powerpoint/2010/main" Requires="p14">
+  <mc:AlternateContent xmlns:mc="http://schemas.openxmlformats.org/markup-compatibility/2006" xmlns:p14="http://schemas.microsoft.com/office/powerpoint/2010/main">
+    <mc:Choice Requires="p14">
       <p:transition spd="slow" p14:dur="1500">
         <p:split orient="vert"/>
       </p:transition>
     </mc:Choice>
-    <mc:Fallback>
+    <mc:Fallback xmlns="">
       <p:transition spd="slow">
         <p:split orient="vert"/>
       </p:transition>
@@ -44853,13 +44853,13 @@
   <p:clrMapOvr>
     <a:masterClrMapping/>
   </p:clrMapOvr>
-  <mc:AlternateContent xmlns:mc="http://schemas.openxmlformats.org/markup-compatibility/2006">
-    <mc:Choice xmlns:p14="http://schemas.microsoft.com/office/powerpoint/2010/main" Requires="p14">
+  <mc:AlternateContent xmlns:mc="http://schemas.openxmlformats.org/markup-compatibility/2006" xmlns:p14="http://schemas.microsoft.com/office/powerpoint/2010/main">
+    <mc:Choice Requires="p14">
       <p:transition spd="med" p14:dur="700">
         <p:fade/>
       </p:transition>
     </mc:Choice>
-    <mc:Fallback>
+    <mc:Fallback xmlns="">
       <p:transition spd="med">
         <p:fade/>
       </p:transition>
@@ -46150,7 +46150,7 @@
         </p:nvSpPr>
         <p:spPr>
           <a:xfrm>
-            <a:off x="606749" y="209550"/>
+            <a:off x="604056" y="0"/>
             <a:ext cx="7686000" cy="716400"/>
           </a:xfrm>
           <a:prstGeom prst="rect">
@@ -46222,1900 +46222,6 @@
           </a:p>
         </p:txBody>
       </p:sp>
-      <p:sp>
-        <p:nvSpPr>
-          <p:cNvPr id="873" name="Shape 873"/>
-          <p:cNvSpPr/>
-          <p:nvPr/>
-        </p:nvSpPr>
-        <p:spPr>
-          <a:xfrm rot="-711057">
-            <a:off x="6976677" y="2972399"/>
-            <a:ext cx="1620031" cy="69019"/>
-          </a:xfrm>
-          <a:prstGeom prst="roundRect">
-            <a:avLst>
-              <a:gd name="adj" fmla="val 50000"/>
-            </a:avLst>
-          </a:prstGeom>
-          <a:solidFill>
-            <a:srgbClr val="FFFFFF"/>
-          </a:solidFill>
-          <a:ln>
-            <a:noFill/>
-          </a:ln>
-        </p:spPr>
-        <p:txBody>
-          <a:bodyPr spcFirstLastPara="1" wrap="square" lIns="91425" tIns="91425" rIns="91425" bIns="91425" anchor="ctr" anchorCtr="0">
-            <a:noAutofit/>
-          </a:bodyPr>
-          <a:lstStyle/>
-          <a:p>
-            <a:pPr marL="0" lvl="0" indent="0">
-              <a:spcBef>
-                <a:spcPts val="0"/>
-              </a:spcBef>
-              <a:spcAft>
-                <a:spcPts val="0"/>
-              </a:spcAft>
-              <a:buNone/>
-            </a:pPr>
-            <a:endParaRPr sz="1000">
-              <a:solidFill>
-                <a:srgbClr val="FFFFFF"/>
-              </a:solidFill>
-              <a:latin typeface="Titillium Web"/>
-              <a:ea typeface="Titillium Web"/>
-              <a:cs typeface="Titillium Web"/>
-              <a:sym typeface="Titillium Web"/>
-            </a:endParaRPr>
-          </a:p>
-        </p:txBody>
-      </p:sp>
-      <p:sp>
-        <p:nvSpPr>
-          <p:cNvPr id="874" name="Shape 874"/>
-          <p:cNvSpPr/>
-          <p:nvPr/>
-        </p:nvSpPr>
-        <p:spPr>
-          <a:xfrm rot="711057" flipH="1">
-            <a:off x="5435971" y="2972399"/>
-            <a:ext cx="1620031" cy="69019"/>
-          </a:xfrm>
-          <a:prstGeom prst="roundRect">
-            <a:avLst>
-              <a:gd name="adj" fmla="val 50000"/>
-            </a:avLst>
-          </a:prstGeom>
-          <a:solidFill>
-            <a:srgbClr val="FFFFFF"/>
-          </a:solidFill>
-          <a:ln>
-            <a:noFill/>
-          </a:ln>
-        </p:spPr>
-        <p:txBody>
-          <a:bodyPr spcFirstLastPara="1" wrap="square" lIns="91425" tIns="91425" rIns="91425" bIns="91425" anchor="ctr" anchorCtr="0">
-            <a:noAutofit/>
-          </a:bodyPr>
-          <a:lstStyle/>
-          <a:p>
-            <a:pPr marL="0" lvl="0" indent="0">
-              <a:spcBef>
-                <a:spcPts val="0"/>
-              </a:spcBef>
-              <a:spcAft>
-                <a:spcPts val="0"/>
-              </a:spcAft>
-              <a:buNone/>
-            </a:pPr>
-            <a:endParaRPr sz="1000">
-              <a:solidFill>
-                <a:srgbClr val="FFFFFF"/>
-              </a:solidFill>
-              <a:latin typeface="Titillium Web"/>
-              <a:ea typeface="Titillium Web"/>
-              <a:cs typeface="Titillium Web"/>
-              <a:sym typeface="Titillium Web"/>
-            </a:endParaRPr>
-          </a:p>
-        </p:txBody>
-      </p:sp>
-      <p:grpSp>
-        <p:nvGrpSpPr>
-          <p:cNvPr id="875" name="Shape 875"/>
-          <p:cNvGrpSpPr/>
-          <p:nvPr/>
-        </p:nvGrpSpPr>
-        <p:grpSpPr>
-          <a:xfrm>
-            <a:off x="5921968" y="3039612"/>
-            <a:ext cx="2053870" cy="1475874"/>
-            <a:chOff x="5921968" y="3039612"/>
-            <a:chExt cx="2053870" cy="1475874"/>
-          </a:xfrm>
-        </p:grpSpPr>
-        <p:sp>
-          <p:nvSpPr>
-            <p:cNvPr id="876" name="Shape 876"/>
-            <p:cNvSpPr/>
-            <p:nvPr/>
-          </p:nvSpPr>
-          <p:spPr>
-            <a:xfrm rot="-1789476">
-              <a:off x="6852687" y="3074718"/>
-              <a:ext cx="192413" cy="192413"/>
-            </a:xfrm>
-            <a:prstGeom prst="ellipse">
-              <a:avLst/>
-            </a:prstGeom>
-            <a:solidFill>
-              <a:srgbClr val="6E86B6"/>
-            </a:solidFill>
-            <a:ln w="38100" cap="flat" cmpd="sng">
-              <a:solidFill>
-                <a:srgbClr val="FFFFFF"/>
-              </a:solidFill>
-              <a:prstDash val="solid"/>
-              <a:round/>
-              <a:headEnd type="none" w="sm" len="sm"/>
-              <a:tailEnd type="none" w="sm" len="sm"/>
-            </a:ln>
-          </p:spPr>
-          <p:txBody>
-            <a:bodyPr spcFirstLastPara="1" wrap="square" lIns="91425" tIns="91425" rIns="91425" bIns="91425" anchor="ctr" anchorCtr="0">
-              <a:noAutofit/>
-            </a:bodyPr>
-            <a:lstStyle/>
-            <a:p>
-              <a:pPr marL="0" lvl="0" indent="0">
-                <a:spcBef>
-                  <a:spcPts val="0"/>
-                </a:spcBef>
-                <a:spcAft>
-                  <a:spcPts val="0"/>
-                </a:spcAft>
-                <a:buNone/>
-              </a:pPr>
-              <a:endParaRPr sz="1000">
-                <a:solidFill>
-                  <a:srgbClr val="FFFFFF"/>
-                </a:solidFill>
-                <a:latin typeface="Titillium Web"/>
-                <a:ea typeface="Titillium Web"/>
-                <a:cs typeface="Titillium Web"/>
-                <a:sym typeface="Titillium Web"/>
-              </a:endParaRPr>
-            </a:p>
-          </p:txBody>
-        </p:sp>
-        <p:sp>
-          <p:nvSpPr>
-            <p:cNvPr id="877" name="Shape 877"/>
-            <p:cNvSpPr txBox="1"/>
-            <p:nvPr/>
-          </p:nvSpPr>
-          <p:spPr>
-            <a:xfrm>
-              <a:off x="6521554" y="3272001"/>
-              <a:ext cx="835722" cy="330979"/>
-            </a:xfrm>
-            <a:prstGeom prst="rect">
-              <a:avLst/>
-            </a:prstGeom>
-            <a:noFill/>
-            <a:ln>
-              <a:noFill/>
-            </a:ln>
-          </p:spPr>
-          <p:txBody>
-            <a:bodyPr spcFirstLastPara="1" wrap="square" lIns="91425" tIns="91425" rIns="91425" bIns="91425" anchor="t" anchorCtr="0">
-              <a:noAutofit/>
-            </a:bodyPr>
-            <a:lstStyle/>
-            <a:p>
-              <a:pPr marL="0" lvl="0" indent="0" algn="ctr">
-                <a:lnSpc>
-                  <a:spcPct val="115000"/>
-                </a:lnSpc>
-                <a:spcBef>
-                  <a:spcPts val="0"/>
-                </a:spcBef>
-                <a:spcAft>
-                  <a:spcPts val="1600"/>
-                </a:spcAft>
-                <a:buNone/>
-              </a:pPr>
-              <a:r>
-                <a:rPr lang="en" sz="1000">
-                  <a:solidFill>
-                    <a:srgbClr val="FFFFFF"/>
-                  </a:solidFill>
-                  <a:latin typeface="Titillium Web"/>
-                  <a:ea typeface="Titillium Web"/>
-                  <a:cs typeface="Titillium Web"/>
-                  <a:sym typeface="Titillium Web"/>
-                </a:rPr>
-                <a:t>20XX</a:t>
-              </a:r>
-              <a:endParaRPr sz="1000">
-                <a:solidFill>
-                  <a:srgbClr val="FFFFFF"/>
-                </a:solidFill>
-                <a:latin typeface="Titillium Web"/>
-                <a:ea typeface="Titillium Web"/>
-                <a:cs typeface="Titillium Web"/>
-                <a:sym typeface="Titillium Web"/>
-              </a:endParaRPr>
-            </a:p>
-          </p:txBody>
-        </p:sp>
-        <p:sp>
-          <p:nvSpPr>
-            <p:cNvPr id="878" name="Shape 878"/>
-            <p:cNvSpPr/>
-            <p:nvPr/>
-          </p:nvSpPr>
-          <p:spPr>
-            <a:xfrm>
-              <a:off x="5921968" y="3671848"/>
-              <a:ext cx="2053870" cy="843637"/>
-            </a:xfrm>
-            <a:prstGeom prst="roundRect">
-              <a:avLst>
-                <a:gd name="adj" fmla="val 4485"/>
-              </a:avLst>
-            </a:prstGeom>
-            <a:solidFill>
-              <a:srgbClr val="FFFFFF"/>
-            </a:solidFill>
-            <a:ln>
-              <a:noFill/>
-            </a:ln>
-          </p:spPr>
-          <p:txBody>
-            <a:bodyPr spcFirstLastPara="1" wrap="square" lIns="91425" tIns="91425" rIns="91425" bIns="91425" anchor="ctr" anchorCtr="0">
-              <a:noAutofit/>
-            </a:bodyPr>
-            <a:lstStyle/>
-            <a:p>
-              <a:pPr marL="0" lvl="0" indent="0">
-                <a:spcBef>
-                  <a:spcPts val="0"/>
-                </a:spcBef>
-                <a:spcAft>
-                  <a:spcPts val="0"/>
-                </a:spcAft>
-                <a:buNone/>
-              </a:pPr>
-              <a:endParaRPr sz="1000">
-                <a:solidFill>
-                  <a:srgbClr val="FFFFFF"/>
-                </a:solidFill>
-                <a:latin typeface="Titillium Web"/>
-                <a:ea typeface="Titillium Web"/>
-                <a:cs typeface="Titillium Web"/>
-                <a:sym typeface="Titillium Web"/>
-              </a:endParaRPr>
-            </a:p>
-            <a:p>
-              <a:pPr marL="0" lvl="0" indent="0">
-                <a:spcBef>
-                  <a:spcPts val="0"/>
-                </a:spcBef>
-                <a:spcAft>
-                  <a:spcPts val="0"/>
-                </a:spcAft>
-                <a:buNone/>
-              </a:pPr>
-              <a:endParaRPr sz="1000">
-                <a:solidFill>
-                  <a:srgbClr val="FFFFFF"/>
-                </a:solidFill>
-                <a:latin typeface="Titillium Web"/>
-                <a:ea typeface="Titillium Web"/>
-                <a:cs typeface="Titillium Web"/>
-                <a:sym typeface="Titillium Web"/>
-              </a:endParaRPr>
-            </a:p>
-            <a:p>
-              <a:pPr marL="0" lvl="0" indent="0">
-                <a:spcBef>
-                  <a:spcPts val="0"/>
-                </a:spcBef>
-                <a:spcAft>
-                  <a:spcPts val="0"/>
-                </a:spcAft>
-                <a:buNone/>
-              </a:pPr>
-              <a:endParaRPr sz="1000">
-                <a:solidFill>
-                  <a:srgbClr val="FFFFFF"/>
-                </a:solidFill>
-                <a:latin typeface="Titillium Web"/>
-                <a:ea typeface="Titillium Web"/>
-                <a:cs typeface="Titillium Web"/>
-                <a:sym typeface="Titillium Web"/>
-              </a:endParaRPr>
-            </a:p>
-            <a:p>
-              <a:pPr marL="0" lvl="0" indent="0">
-                <a:spcBef>
-                  <a:spcPts val="0"/>
-                </a:spcBef>
-                <a:spcAft>
-                  <a:spcPts val="0"/>
-                </a:spcAft>
-                <a:buNone/>
-              </a:pPr>
-              <a:endParaRPr sz="1000">
-                <a:solidFill>
-                  <a:srgbClr val="FFFFFF"/>
-                </a:solidFill>
-                <a:latin typeface="Titillium Web"/>
-                <a:ea typeface="Titillium Web"/>
-                <a:cs typeface="Titillium Web"/>
-                <a:sym typeface="Titillium Web"/>
-              </a:endParaRPr>
-            </a:p>
-            <a:p>
-              <a:pPr marL="0" lvl="0" indent="0">
-                <a:spcBef>
-                  <a:spcPts val="0"/>
-                </a:spcBef>
-                <a:spcAft>
-                  <a:spcPts val="0"/>
-                </a:spcAft>
-                <a:buNone/>
-              </a:pPr>
-              <a:endParaRPr sz="1000">
-                <a:solidFill>
-                  <a:srgbClr val="FFFFFF"/>
-                </a:solidFill>
-                <a:latin typeface="Titillium Web"/>
-                <a:ea typeface="Titillium Web"/>
-                <a:cs typeface="Titillium Web"/>
-                <a:sym typeface="Titillium Web"/>
-              </a:endParaRPr>
-            </a:p>
-            <a:p>
-              <a:pPr marL="0" lvl="0" indent="0">
-                <a:spcBef>
-                  <a:spcPts val="0"/>
-                </a:spcBef>
-                <a:spcAft>
-                  <a:spcPts val="0"/>
-                </a:spcAft>
-                <a:buNone/>
-              </a:pPr>
-              <a:endParaRPr sz="1000">
-                <a:solidFill>
-                  <a:srgbClr val="FFFFFF"/>
-                </a:solidFill>
-                <a:latin typeface="Titillium Web"/>
-                <a:ea typeface="Titillium Web"/>
-                <a:cs typeface="Titillium Web"/>
-                <a:sym typeface="Titillium Web"/>
-              </a:endParaRPr>
-            </a:p>
-            <a:p>
-              <a:pPr marL="0" lvl="0" indent="0">
-                <a:spcBef>
-                  <a:spcPts val="0"/>
-                </a:spcBef>
-                <a:spcAft>
-                  <a:spcPts val="0"/>
-                </a:spcAft>
-                <a:buNone/>
-              </a:pPr>
-              <a:endParaRPr sz="1000">
-                <a:solidFill>
-                  <a:srgbClr val="FFFFFF"/>
-                </a:solidFill>
-                <a:latin typeface="Titillium Web"/>
-                <a:ea typeface="Titillium Web"/>
-                <a:cs typeface="Titillium Web"/>
-                <a:sym typeface="Titillium Web"/>
-              </a:endParaRPr>
-            </a:p>
-          </p:txBody>
-        </p:sp>
-        <p:sp>
-          <p:nvSpPr>
-            <p:cNvPr id="879" name="Shape 879"/>
-            <p:cNvSpPr txBox="1"/>
-            <p:nvPr/>
-          </p:nvSpPr>
-          <p:spPr>
-            <a:xfrm>
-              <a:off x="5975032" y="3716458"/>
-              <a:ext cx="1947741" cy="749020"/>
-            </a:xfrm>
-            <a:prstGeom prst="rect">
-              <a:avLst/>
-            </a:prstGeom>
-            <a:noFill/>
-            <a:ln>
-              <a:noFill/>
-            </a:ln>
-          </p:spPr>
-          <p:txBody>
-            <a:bodyPr spcFirstLastPara="1" wrap="square" lIns="91425" tIns="91425" rIns="91425" bIns="91425" anchor="t" anchorCtr="0">
-              <a:noAutofit/>
-            </a:bodyPr>
-            <a:lstStyle/>
-            <a:p>
-              <a:pPr marL="0" lvl="0" indent="0" algn="ctr">
-                <a:lnSpc>
-                  <a:spcPct val="115000"/>
-                </a:lnSpc>
-                <a:spcBef>
-                  <a:spcPts val="0"/>
-                </a:spcBef>
-                <a:spcAft>
-                  <a:spcPts val="1600"/>
-                </a:spcAft>
-                <a:buNone/>
-              </a:pPr>
-              <a:r>
-                <a:rPr lang="en" sz="1000">
-                  <a:solidFill>
-                    <a:srgbClr val="6E86B6"/>
-                  </a:solidFill>
-                  <a:latin typeface="Titillium Web"/>
-                  <a:ea typeface="Titillium Web"/>
-                  <a:cs typeface="Titillium Web"/>
-                  <a:sym typeface="Titillium Web"/>
-                </a:rPr>
-                <a:t>Lorem ipsum dolor sit amet, consectetur adipiscing. Lorem ipsum dolor sit.</a:t>
-              </a:r>
-              <a:endParaRPr sz="1000">
-                <a:solidFill>
-                  <a:srgbClr val="6E86B6"/>
-                </a:solidFill>
-                <a:latin typeface="Titillium Web"/>
-                <a:ea typeface="Titillium Web"/>
-                <a:cs typeface="Titillium Web"/>
-                <a:sym typeface="Titillium Web"/>
-              </a:endParaRPr>
-            </a:p>
-          </p:txBody>
-        </p:sp>
-        <p:sp>
-          <p:nvSpPr>
-            <p:cNvPr id="880" name="Shape 880"/>
-            <p:cNvSpPr/>
-            <p:nvPr/>
-          </p:nvSpPr>
-          <p:spPr>
-            <a:xfrm>
-              <a:off x="6894939" y="3594321"/>
-              <a:ext cx="107928" cy="80946"/>
-            </a:xfrm>
-            <a:prstGeom prst="triangle">
-              <a:avLst>
-                <a:gd name="adj" fmla="val 50000"/>
-              </a:avLst>
-            </a:prstGeom>
-            <a:solidFill>
-              <a:srgbClr val="FFFFFF"/>
-            </a:solidFill>
-            <a:ln>
-              <a:noFill/>
-            </a:ln>
-          </p:spPr>
-          <p:txBody>
-            <a:bodyPr spcFirstLastPara="1" wrap="square" lIns="91425" tIns="91425" rIns="91425" bIns="91425" anchor="ctr" anchorCtr="0">
-              <a:noAutofit/>
-            </a:bodyPr>
-            <a:lstStyle/>
-            <a:p>
-              <a:pPr marL="0" lvl="0" indent="0">
-                <a:spcBef>
-                  <a:spcPts val="0"/>
-                </a:spcBef>
-                <a:spcAft>
-                  <a:spcPts val="0"/>
-                </a:spcAft>
-                <a:buNone/>
-              </a:pPr>
-              <a:endParaRPr sz="1000">
-                <a:solidFill>
-                  <a:srgbClr val="FFFFFF"/>
-                </a:solidFill>
-                <a:latin typeface="Titillium Web"/>
-                <a:ea typeface="Titillium Web"/>
-                <a:cs typeface="Titillium Web"/>
-                <a:sym typeface="Titillium Web"/>
-              </a:endParaRPr>
-            </a:p>
-          </p:txBody>
-        </p:sp>
-      </p:grpSp>
-      <p:sp>
-        <p:nvSpPr>
-          <p:cNvPr id="881" name="Shape 881"/>
-          <p:cNvSpPr/>
-          <p:nvPr/>
-        </p:nvSpPr>
-        <p:spPr>
-          <a:xfrm rot="-711057">
-            <a:off x="3899789" y="2972399"/>
-            <a:ext cx="1620031" cy="69019"/>
-          </a:xfrm>
-          <a:prstGeom prst="roundRect">
-            <a:avLst>
-              <a:gd name="adj" fmla="val 50000"/>
-            </a:avLst>
-          </a:prstGeom>
-          <a:solidFill>
-            <a:srgbClr val="FFFFFF"/>
-          </a:solidFill>
-          <a:ln>
-            <a:noFill/>
-          </a:ln>
-        </p:spPr>
-        <p:txBody>
-          <a:bodyPr spcFirstLastPara="1" wrap="square" lIns="91425" tIns="91425" rIns="91425" bIns="91425" anchor="ctr" anchorCtr="0">
-            <a:noAutofit/>
-          </a:bodyPr>
-          <a:lstStyle/>
-          <a:p>
-            <a:pPr marL="0" lvl="0" indent="0">
-              <a:spcBef>
-                <a:spcPts val="0"/>
-              </a:spcBef>
-              <a:spcAft>
-                <a:spcPts val="0"/>
-              </a:spcAft>
-              <a:buNone/>
-            </a:pPr>
-            <a:endParaRPr sz="1000">
-              <a:solidFill>
-                <a:srgbClr val="FFFFFF"/>
-              </a:solidFill>
-              <a:latin typeface="Titillium Web"/>
-              <a:ea typeface="Titillium Web"/>
-              <a:cs typeface="Titillium Web"/>
-              <a:sym typeface="Titillium Web"/>
-            </a:endParaRPr>
-          </a:p>
-        </p:txBody>
-      </p:sp>
-      <p:grpSp>
-        <p:nvGrpSpPr>
-          <p:cNvPr id="882" name="Shape 882"/>
-          <p:cNvGrpSpPr/>
-          <p:nvPr/>
-        </p:nvGrpSpPr>
-        <p:grpSpPr>
-          <a:xfrm>
-            <a:off x="4419278" y="1479246"/>
-            <a:ext cx="2053870" cy="1495107"/>
-            <a:chOff x="4419278" y="1479246"/>
-            <a:chExt cx="2053870" cy="1495107"/>
-          </a:xfrm>
-        </p:grpSpPr>
-        <p:sp>
-          <p:nvSpPr>
-            <p:cNvPr id="883" name="Shape 883"/>
-            <p:cNvSpPr/>
-            <p:nvPr/>
-          </p:nvSpPr>
-          <p:spPr>
-            <a:xfrm rot="-1789476">
-              <a:off x="5349997" y="2746834"/>
-              <a:ext cx="192413" cy="192413"/>
-            </a:xfrm>
-            <a:prstGeom prst="ellipse">
-              <a:avLst/>
-            </a:prstGeom>
-            <a:solidFill>
-              <a:srgbClr val="6E86B6"/>
-            </a:solidFill>
-            <a:ln w="38100" cap="flat" cmpd="sng">
-              <a:solidFill>
-                <a:srgbClr val="FFFFFF"/>
-              </a:solidFill>
-              <a:prstDash val="solid"/>
-              <a:round/>
-              <a:headEnd type="none" w="sm" len="sm"/>
-              <a:tailEnd type="none" w="sm" len="sm"/>
-            </a:ln>
-          </p:spPr>
-          <p:txBody>
-            <a:bodyPr spcFirstLastPara="1" wrap="square" lIns="91425" tIns="91425" rIns="91425" bIns="91425" anchor="ctr" anchorCtr="0">
-              <a:noAutofit/>
-            </a:bodyPr>
-            <a:lstStyle/>
-            <a:p>
-              <a:pPr marL="0" lvl="0" indent="0">
-                <a:spcBef>
-                  <a:spcPts val="0"/>
-                </a:spcBef>
-                <a:spcAft>
-                  <a:spcPts val="0"/>
-                </a:spcAft>
-                <a:buNone/>
-              </a:pPr>
-              <a:endParaRPr sz="1000">
-                <a:solidFill>
-                  <a:srgbClr val="FFFFFF"/>
-                </a:solidFill>
-                <a:latin typeface="Titillium Web"/>
-                <a:ea typeface="Titillium Web"/>
-                <a:cs typeface="Titillium Web"/>
-                <a:sym typeface="Titillium Web"/>
-              </a:endParaRPr>
-            </a:p>
-          </p:txBody>
-        </p:sp>
-        <p:sp>
-          <p:nvSpPr>
-            <p:cNvPr id="884" name="Shape 884"/>
-            <p:cNvSpPr txBox="1"/>
-            <p:nvPr/>
-          </p:nvSpPr>
-          <p:spPr>
-            <a:xfrm>
-              <a:off x="5033785" y="2397059"/>
-              <a:ext cx="835722" cy="330979"/>
-            </a:xfrm>
-            <a:prstGeom prst="rect">
-              <a:avLst/>
-            </a:prstGeom>
-            <a:noFill/>
-            <a:ln>
-              <a:noFill/>
-            </a:ln>
-          </p:spPr>
-          <p:txBody>
-            <a:bodyPr spcFirstLastPara="1" wrap="square" lIns="91425" tIns="91425" rIns="91425" bIns="91425" anchor="t" anchorCtr="0">
-              <a:noAutofit/>
-            </a:bodyPr>
-            <a:lstStyle/>
-            <a:p>
-              <a:pPr marL="0" lvl="0" indent="0" algn="ctr">
-                <a:lnSpc>
-                  <a:spcPct val="115000"/>
-                </a:lnSpc>
-                <a:spcBef>
-                  <a:spcPts val="0"/>
-                </a:spcBef>
-                <a:spcAft>
-                  <a:spcPts val="1600"/>
-                </a:spcAft>
-                <a:buNone/>
-              </a:pPr>
-              <a:r>
-                <a:rPr lang="en" sz="1000">
-                  <a:solidFill>
-                    <a:srgbClr val="FFFFFF"/>
-                  </a:solidFill>
-                  <a:latin typeface="Titillium Web"/>
-                  <a:ea typeface="Titillium Web"/>
-                  <a:cs typeface="Titillium Web"/>
-                  <a:sym typeface="Titillium Web"/>
-                </a:rPr>
-                <a:t>20XX</a:t>
-              </a:r>
-              <a:endParaRPr sz="1000">
-                <a:solidFill>
-                  <a:srgbClr val="FFFFFF"/>
-                </a:solidFill>
-                <a:latin typeface="Titillium Web"/>
-                <a:ea typeface="Titillium Web"/>
-                <a:cs typeface="Titillium Web"/>
-                <a:sym typeface="Titillium Web"/>
-              </a:endParaRPr>
-            </a:p>
-          </p:txBody>
-        </p:sp>
-        <p:sp>
-          <p:nvSpPr>
-            <p:cNvPr id="885" name="Shape 885"/>
-            <p:cNvSpPr/>
-            <p:nvPr/>
-          </p:nvSpPr>
-          <p:spPr>
-            <a:xfrm>
-              <a:off x="4419278" y="1479246"/>
-              <a:ext cx="2053870" cy="843637"/>
-            </a:xfrm>
-            <a:prstGeom prst="roundRect">
-              <a:avLst>
-                <a:gd name="adj" fmla="val 4485"/>
-              </a:avLst>
-            </a:prstGeom>
-            <a:solidFill>
-              <a:srgbClr val="FFFFFF"/>
-            </a:solidFill>
-            <a:ln>
-              <a:noFill/>
-            </a:ln>
-          </p:spPr>
-          <p:txBody>
-            <a:bodyPr spcFirstLastPara="1" wrap="square" lIns="91425" tIns="91425" rIns="91425" bIns="91425" anchor="ctr" anchorCtr="0">
-              <a:noAutofit/>
-            </a:bodyPr>
-            <a:lstStyle/>
-            <a:p>
-              <a:pPr marL="0" lvl="0" indent="0">
-                <a:spcBef>
-                  <a:spcPts val="0"/>
-                </a:spcBef>
-                <a:spcAft>
-                  <a:spcPts val="0"/>
-                </a:spcAft>
-                <a:buNone/>
-              </a:pPr>
-              <a:endParaRPr sz="1000">
-                <a:solidFill>
-                  <a:srgbClr val="FFFFFF"/>
-                </a:solidFill>
-                <a:latin typeface="Titillium Web"/>
-                <a:ea typeface="Titillium Web"/>
-                <a:cs typeface="Titillium Web"/>
-                <a:sym typeface="Titillium Web"/>
-              </a:endParaRPr>
-            </a:p>
-            <a:p>
-              <a:pPr marL="0" lvl="0" indent="0">
-                <a:spcBef>
-                  <a:spcPts val="0"/>
-                </a:spcBef>
-                <a:spcAft>
-                  <a:spcPts val="0"/>
-                </a:spcAft>
-                <a:buNone/>
-              </a:pPr>
-              <a:endParaRPr sz="1000">
-                <a:solidFill>
-                  <a:srgbClr val="FFFFFF"/>
-                </a:solidFill>
-                <a:latin typeface="Titillium Web"/>
-                <a:ea typeface="Titillium Web"/>
-                <a:cs typeface="Titillium Web"/>
-                <a:sym typeface="Titillium Web"/>
-              </a:endParaRPr>
-            </a:p>
-            <a:p>
-              <a:pPr marL="0" lvl="0" indent="0">
-                <a:spcBef>
-                  <a:spcPts val="0"/>
-                </a:spcBef>
-                <a:spcAft>
-                  <a:spcPts val="0"/>
-                </a:spcAft>
-                <a:buNone/>
-              </a:pPr>
-              <a:endParaRPr sz="1000">
-                <a:solidFill>
-                  <a:srgbClr val="FFFFFF"/>
-                </a:solidFill>
-                <a:latin typeface="Titillium Web"/>
-                <a:ea typeface="Titillium Web"/>
-                <a:cs typeface="Titillium Web"/>
-                <a:sym typeface="Titillium Web"/>
-              </a:endParaRPr>
-            </a:p>
-            <a:p>
-              <a:pPr marL="0" lvl="0" indent="0">
-                <a:spcBef>
-                  <a:spcPts val="0"/>
-                </a:spcBef>
-                <a:spcAft>
-                  <a:spcPts val="0"/>
-                </a:spcAft>
-                <a:buNone/>
-              </a:pPr>
-              <a:endParaRPr sz="1000">
-                <a:solidFill>
-                  <a:srgbClr val="FFFFFF"/>
-                </a:solidFill>
-                <a:latin typeface="Titillium Web"/>
-                <a:ea typeface="Titillium Web"/>
-                <a:cs typeface="Titillium Web"/>
-                <a:sym typeface="Titillium Web"/>
-              </a:endParaRPr>
-            </a:p>
-            <a:p>
-              <a:pPr marL="0" lvl="0" indent="0">
-                <a:spcBef>
-                  <a:spcPts val="0"/>
-                </a:spcBef>
-                <a:spcAft>
-                  <a:spcPts val="0"/>
-                </a:spcAft>
-                <a:buNone/>
-              </a:pPr>
-              <a:endParaRPr sz="1000">
-                <a:solidFill>
-                  <a:srgbClr val="FFFFFF"/>
-                </a:solidFill>
-                <a:latin typeface="Titillium Web"/>
-                <a:ea typeface="Titillium Web"/>
-                <a:cs typeface="Titillium Web"/>
-                <a:sym typeface="Titillium Web"/>
-              </a:endParaRPr>
-            </a:p>
-            <a:p>
-              <a:pPr marL="0" lvl="0" indent="0">
-                <a:spcBef>
-                  <a:spcPts val="0"/>
-                </a:spcBef>
-                <a:spcAft>
-                  <a:spcPts val="0"/>
-                </a:spcAft>
-                <a:buNone/>
-              </a:pPr>
-              <a:endParaRPr sz="1000">
-                <a:solidFill>
-                  <a:srgbClr val="FFFFFF"/>
-                </a:solidFill>
-                <a:latin typeface="Titillium Web"/>
-                <a:ea typeface="Titillium Web"/>
-                <a:cs typeface="Titillium Web"/>
-                <a:sym typeface="Titillium Web"/>
-              </a:endParaRPr>
-            </a:p>
-            <a:p>
-              <a:pPr marL="0" lvl="0" indent="0">
-                <a:spcBef>
-                  <a:spcPts val="0"/>
-                </a:spcBef>
-                <a:spcAft>
-                  <a:spcPts val="0"/>
-                </a:spcAft>
-                <a:buNone/>
-              </a:pPr>
-              <a:endParaRPr sz="1000">
-                <a:solidFill>
-                  <a:srgbClr val="FFFFFF"/>
-                </a:solidFill>
-                <a:latin typeface="Titillium Web"/>
-                <a:ea typeface="Titillium Web"/>
-                <a:cs typeface="Titillium Web"/>
-                <a:sym typeface="Titillium Web"/>
-              </a:endParaRPr>
-            </a:p>
-          </p:txBody>
-        </p:sp>
-        <p:sp>
-          <p:nvSpPr>
-            <p:cNvPr id="886" name="Shape 886"/>
-            <p:cNvSpPr/>
-            <p:nvPr/>
-          </p:nvSpPr>
-          <p:spPr>
-            <a:xfrm rot="10800000">
-              <a:off x="5392219" y="2317599"/>
-              <a:ext cx="107928" cy="80946"/>
-            </a:xfrm>
-            <a:prstGeom prst="triangle">
-              <a:avLst>
-                <a:gd name="adj" fmla="val 50000"/>
-              </a:avLst>
-            </a:prstGeom>
-            <a:solidFill>
-              <a:srgbClr val="FFFFFF"/>
-            </a:solidFill>
-            <a:ln>
-              <a:noFill/>
-            </a:ln>
-          </p:spPr>
-          <p:txBody>
-            <a:bodyPr spcFirstLastPara="1" wrap="square" lIns="91425" tIns="91425" rIns="91425" bIns="91425" anchor="ctr" anchorCtr="0">
-              <a:noAutofit/>
-            </a:bodyPr>
-            <a:lstStyle/>
-            <a:p>
-              <a:pPr marL="0" lvl="0" indent="0">
-                <a:spcBef>
-                  <a:spcPts val="0"/>
-                </a:spcBef>
-                <a:spcAft>
-                  <a:spcPts val="0"/>
-                </a:spcAft>
-                <a:buNone/>
-              </a:pPr>
-              <a:endParaRPr sz="1000">
-                <a:solidFill>
-                  <a:srgbClr val="FFFFFF"/>
-                </a:solidFill>
-                <a:latin typeface="Titillium Web"/>
-                <a:ea typeface="Titillium Web"/>
-                <a:cs typeface="Titillium Web"/>
-                <a:sym typeface="Titillium Web"/>
-              </a:endParaRPr>
-            </a:p>
-          </p:txBody>
-        </p:sp>
-        <p:sp>
-          <p:nvSpPr>
-            <p:cNvPr id="887" name="Shape 887"/>
-            <p:cNvSpPr txBox="1"/>
-            <p:nvPr/>
-          </p:nvSpPr>
-          <p:spPr>
-            <a:xfrm>
-              <a:off x="4472343" y="1523856"/>
-              <a:ext cx="1947741" cy="749020"/>
-            </a:xfrm>
-            <a:prstGeom prst="rect">
-              <a:avLst/>
-            </a:prstGeom>
-            <a:noFill/>
-            <a:ln>
-              <a:noFill/>
-            </a:ln>
-          </p:spPr>
-          <p:txBody>
-            <a:bodyPr spcFirstLastPara="1" wrap="square" lIns="91425" tIns="91425" rIns="91425" bIns="91425" anchor="t" anchorCtr="0">
-              <a:noAutofit/>
-            </a:bodyPr>
-            <a:lstStyle/>
-            <a:p>
-              <a:pPr marL="0" lvl="0" indent="0" algn="ctr">
-                <a:lnSpc>
-                  <a:spcPct val="115000"/>
-                </a:lnSpc>
-                <a:spcBef>
-                  <a:spcPts val="0"/>
-                </a:spcBef>
-                <a:spcAft>
-                  <a:spcPts val="1600"/>
-                </a:spcAft>
-                <a:buNone/>
-              </a:pPr>
-              <a:r>
-                <a:rPr lang="en" sz="1000" dirty="0">
-                  <a:solidFill>
-                    <a:srgbClr val="6E86B6"/>
-                  </a:solidFill>
-                  <a:latin typeface="Titillium Web"/>
-                  <a:ea typeface="Titillium Web"/>
-                  <a:cs typeface="Titillium Web"/>
-                  <a:sym typeface="Titillium Web"/>
-                </a:rPr>
-                <a:t>Lorem ipsum dolor sit amet, consectetur adipiscing. Lorem ipsum dolor sit.</a:t>
-              </a:r>
-              <a:endParaRPr sz="1000" dirty="0">
-                <a:solidFill>
-                  <a:srgbClr val="6E86B6"/>
-                </a:solidFill>
-                <a:latin typeface="Titillium Web"/>
-                <a:ea typeface="Titillium Web"/>
-                <a:cs typeface="Titillium Web"/>
-                <a:sym typeface="Titillium Web"/>
-              </a:endParaRPr>
-            </a:p>
-          </p:txBody>
-        </p:sp>
-      </p:grpSp>
-      <p:sp>
-        <p:nvSpPr>
-          <p:cNvPr id="888" name="Shape 888"/>
-          <p:cNvSpPr/>
-          <p:nvPr/>
-        </p:nvSpPr>
-        <p:spPr>
-          <a:xfrm rot="711057" flipH="1">
-            <a:off x="2350760" y="2972399"/>
-            <a:ext cx="1620031" cy="69019"/>
-          </a:xfrm>
-          <a:prstGeom prst="roundRect">
-            <a:avLst>
-              <a:gd name="adj" fmla="val 50000"/>
-            </a:avLst>
-          </a:prstGeom>
-          <a:solidFill>
-            <a:srgbClr val="6E86B6"/>
-          </a:solidFill>
-          <a:ln>
-            <a:noFill/>
-          </a:ln>
-        </p:spPr>
-        <p:txBody>
-          <a:bodyPr spcFirstLastPara="1" wrap="square" lIns="91425" tIns="91425" rIns="91425" bIns="91425" anchor="ctr" anchorCtr="0">
-            <a:noAutofit/>
-          </a:bodyPr>
-          <a:lstStyle/>
-          <a:p>
-            <a:pPr marL="0" lvl="0" indent="0">
-              <a:spcBef>
-                <a:spcPts val="0"/>
-              </a:spcBef>
-              <a:spcAft>
-                <a:spcPts val="0"/>
-              </a:spcAft>
-              <a:buNone/>
-            </a:pPr>
-            <a:endParaRPr sz="1000">
-              <a:solidFill>
-                <a:srgbClr val="FFFFFF"/>
-              </a:solidFill>
-              <a:latin typeface="Titillium Web"/>
-              <a:ea typeface="Titillium Web"/>
-              <a:cs typeface="Titillium Web"/>
-              <a:sym typeface="Titillium Web"/>
-            </a:endParaRPr>
-          </a:p>
-        </p:txBody>
-      </p:sp>
-      <p:grpSp>
-        <p:nvGrpSpPr>
-          <p:cNvPr id="889" name="Shape 889"/>
-          <p:cNvGrpSpPr/>
-          <p:nvPr/>
-        </p:nvGrpSpPr>
-        <p:grpSpPr>
-          <a:xfrm>
-            <a:off x="2912587" y="3039612"/>
-            <a:ext cx="2053870" cy="1475874"/>
-            <a:chOff x="2912587" y="3039612"/>
-            <a:chExt cx="2053870" cy="1475874"/>
-          </a:xfrm>
-        </p:grpSpPr>
-        <p:sp>
-          <p:nvSpPr>
-            <p:cNvPr id="890" name="Shape 890"/>
-            <p:cNvSpPr txBox="1"/>
-            <p:nvPr/>
-          </p:nvSpPr>
-          <p:spPr>
-            <a:xfrm>
-              <a:off x="3521663" y="3272001"/>
-              <a:ext cx="835722" cy="330979"/>
-            </a:xfrm>
-            <a:prstGeom prst="rect">
-              <a:avLst/>
-            </a:prstGeom>
-            <a:noFill/>
-            <a:ln>
-              <a:noFill/>
-            </a:ln>
-          </p:spPr>
-          <p:txBody>
-            <a:bodyPr spcFirstLastPara="1" wrap="square" lIns="91425" tIns="91425" rIns="91425" bIns="91425" anchor="t" anchorCtr="0">
-              <a:noAutofit/>
-            </a:bodyPr>
-            <a:lstStyle/>
-            <a:p>
-              <a:pPr marL="0" lvl="0" indent="0" algn="ctr">
-                <a:lnSpc>
-                  <a:spcPct val="115000"/>
-                </a:lnSpc>
-                <a:spcBef>
-                  <a:spcPts val="0"/>
-                </a:spcBef>
-                <a:spcAft>
-                  <a:spcPts val="1600"/>
-                </a:spcAft>
-                <a:buNone/>
-              </a:pPr>
-              <a:r>
-                <a:rPr lang="en" sz="1000">
-                  <a:solidFill>
-                    <a:srgbClr val="6E86B6"/>
-                  </a:solidFill>
-                  <a:latin typeface="Titillium Web"/>
-                  <a:ea typeface="Titillium Web"/>
-                  <a:cs typeface="Titillium Web"/>
-                  <a:sym typeface="Titillium Web"/>
-                </a:rPr>
-                <a:t>20XX</a:t>
-              </a:r>
-              <a:endParaRPr sz="1000">
-                <a:solidFill>
-                  <a:srgbClr val="6E86B6"/>
-                </a:solidFill>
-                <a:latin typeface="Titillium Web"/>
-                <a:ea typeface="Titillium Web"/>
-                <a:cs typeface="Titillium Web"/>
-                <a:sym typeface="Titillium Web"/>
-              </a:endParaRPr>
-            </a:p>
-          </p:txBody>
-        </p:sp>
-        <p:sp>
-          <p:nvSpPr>
-            <p:cNvPr id="891" name="Shape 891"/>
-            <p:cNvSpPr/>
-            <p:nvPr/>
-          </p:nvSpPr>
-          <p:spPr>
-            <a:xfrm rot="-1789476">
-              <a:off x="3843305" y="3074718"/>
-              <a:ext cx="192413" cy="192413"/>
-            </a:xfrm>
-            <a:prstGeom prst="ellipse">
-              <a:avLst/>
-            </a:prstGeom>
-            <a:solidFill>
-              <a:srgbClr val="FFFFFF"/>
-            </a:solidFill>
-            <a:ln w="38100" cap="flat" cmpd="sng">
-              <a:solidFill>
-                <a:srgbClr val="6E86B6"/>
-              </a:solidFill>
-              <a:prstDash val="solid"/>
-              <a:round/>
-              <a:headEnd type="none" w="sm" len="sm"/>
-              <a:tailEnd type="none" w="sm" len="sm"/>
-            </a:ln>
-          </p:spPr>
-          <p:txBody>
-            <a:bodyPr spcFirstLastPara="1" wrap="square" lIns="91425" tIns="91425" rIns="91425" bIns="91425" anchor="ctr" anchorCtr="0">
-              <a:noAutofit/>
-            </a:bodyPr>
-            <a:lstStyle/>
-            <a:p>
-              <a:pPr marL="0" lvl="0" indent="0">
-                <a:spcBef>
-                  <a:spcPts val="0"/>
-                </a:spcBef>
-                <a:spcAft>
-                  <a:spcPts val="0"/>
-                </a:spcAft>
-                <a:buNone/>
-              </a:pPr>
-              <a:endParaRPr sz="1000">
-                <a:solidFill>
-                  <a:srgbClr val="FFFFFF"/>
-                </a:solidFill>
-                <a:latin typeface="Titillium Web"/>
-                <a:ea typeface="Titillium Web"/>
-                <a:cs typeface="Titillium Web"/>
-                <a:sym typeface="Titillium Web"/>
-              </a:endParaRPr>
-            </a:p>
-          </p:txBody>
-        </p:sp>
-        <p:sp>
-          <p:nvSpPr>
-            <p:cNvPr id="892" name="Shape 892"/>
-            <p:cNvSpPr/>
-            <p:nvPr/>
-          </p:nvSpPr>
-          <p:spPr>
-            <a:xfrm>
-              <a:off x="2912587" y="3671848"/>
-              <a:ext cx="2053870" cy="843637"/>
-            </a:xfrm>
-            <a:prstGeom prst="roundRect">
-              <a:avLst>
-                <a:gd name="adj" fmla="val 4485"/>
-              </a:avLst>
-            </a:prstGeom>
-            <a:solidFill>
-              <a:srgbClr val="6E86B6"/>
-            </a:solidFill>
-            <a:ln>
-              <a:noFill/>
-            </a:ln>
-          </p:spPr>
-          <p:txBody>
-            <a:bodyPr spcFirstLastPara="1" wrap="square" lIns="91425" tIns="91425" rIns="91425" bIns="91425" anchor="ctr" anchorCtr="0">
-              <a:noAutofit/>
-            </a:bodyPr>
-            <a:lstStyle/>
-            <a:p>
-              <a:pPr marL="0" lvl="0" indent="0">
-                <a:spcBef>
-                  <a:spcPts val="0"/>
-                </a:spcBef>
-                <a:spcAft>
-                  <a:spcPts val="0"/>
-                </a:spcAft>
-                <a:buNone/>
-              </a:pPr>
-              <a:endParaRPr sz="1000">
-                <a:solidFill>
-                  <a:srgbClr val="FFFFFF"/>
-                </a:solidFill>
-                <a:latin typeface="Titillium Web"/>
-                <a:ea typeface="Titillium Web"/>
-                <a:cs typeface="Titillium Web"/>
-                <a:sym typeface="Titillium Web"/>
-              </a:endParaRPr>
-            </a:p>
-            <a:p>
-              <a:pPr marL="0" lvl="0" indent="0">
-                <a:spcBef>
-                  <a:spcPts val="0"/>
-                </a:spcBef>
-                <a:spcAft>
-                  <a:spcPts val="0"/>
-                </a:spcAft>
-                <a:buNone/>
-              </a:pPr>
-              <a:endParaRPr sz="1000">
-                <a:solidFill>
-                  <a:srgbClr val="FFFFFF"/>
-                </a:solidFill>
-                <a:latin typeface="Titillium Web"/>
-                <a:ea typeface="Titillium Web"/>
-                <a:cs typeface="Titillium Web"/>
-                <a:sym typeface="Titillium Web"/>
-              </a:endParaRPr>
-            </a:p>
-            <a:p>
-              <a:pPr marL="0" lvl="0" indent="0">
-                <a:spcBef>
-                  <a:spcPts val="0"/>
-                </a:spcBef>
-                <a:spcAft>
-                  <a:spcPts val="0"/>
-                </a:spcAft>
-                <a:buNone/>
-              </a:pPr>
-              <a:endParaRPr sz="1000">
-                <a:solidFill>
-                  <a:srgbClr val="FFFFFF"/>
-                </a:solidFill>
-                <a:latin typeface="Titillium Web"/>
-                <a:ea typeface="Titillium Web"/>
-                <a:cs typeface="Titillium Web"/>
-                <a:sym typeface="Titillium Web"/>
-              </a:endParaRPr>
-            </a:p>
-            <a:p>
-              <a:pPr marL="0" lvl="0" indent="0">
-                <a:spcBef>
-                  <a:spcPts val="0"/>
-                </a:spcBef>
-                <a:spcAft>
-                  <a:spcPts val="0"/>
-                </a:spcAft>
-                <a:buNone/>
-              </a:pPr>
-              <a:endParaRPr sz="1000">
-                <a:solidFill>
-                  <a:srgbClr val="FFFFFF"/>
-                </a:solidFill>
-                <a:latin typeface="Titillium Web"/>
-                <a:ea typeface="Titillium Web"/>
-                <a:cs typeface="Titillium Web"/>
-                <a:sym typeface="Titillium Web"/>
-              </a:endParaRPr>
-            </a:p>
-            <a:p>
-              <a:pPr marL="0" lvl="0" indent="0">
-                <a:spcBef>
-                  <a:spcPts val="0"/>
-                </a:spcBef>
-                <a:spcAft>
-                  <a:spcPts val="0"/>
-                </a:spcAft>
-                <a:buNone/>
-              </a:pPr>
-              <a:endParaRPr sz="1000">
-                <a:solidFill>
-                  <a:srgbClr val="FFFFFF"/>
-                </a:solidFill>
-                <a:latin typeface="Titillium Web"/>
-                <a:ea typeface="Titillium Web"/>
-                <a:cs typeface="Titillium Web"/>
-                <a:sym typeface="Titillium Web"/>
-              </a:endParaRPr>
-            </a:p>
-            <a:p>
-              <a:pPr marL="0" lvl="0" indent="0">
-                <a:spcBef>
-                  <a:spcPts val="0"/>
-                </a:spcBef>
-                <a:spcAft>
-                  <a:spcPts val="0"/>
-                </a:spcAft>
-                <a:buNone/>
-              </a:pPr>
-              <a:endParaRPr sz="1000">
-                <a:solidFill>
-                  <a:srgbClr val="FFFFFF"/>
-                </a:solidFill>
-                <a:latin typeface="Titillium Web"/>
-                <a:ea typeface="Titillium Web"/>
-                <a:cs typeface="Titillium Web"/>
-                <a:sym typeface="Titillium Web"/>
-              </a:endParaRPr>
-            </a:p>
-            <a:p>
-              <a:pPr marL="0" lvl="0" indent="0">
-                <a:spcBef>
-                  <a:spcPts val="0"/>
-                </a:spcBef>
-                <a:spcAft>
-                  <a:spcPts val="0"/>
-                </a:spcAft>
-                <a:buNone/>
-              </a:pPr>
-              <a:endParaRPr sz="1000">
-                <a:solidFill>
-                  <a:srgbClr val="FFFFFF"/>
-                </a:solidFill>
-                <a:latin typeface="Titillium Web"/>
-                <a:ea typeface="Titillium Web"/>
-                <a:cs typeface="Titillium Web"/>
-                <a:sym typeface="Titillium Web"/>
-              </a:endParaRPr>
-            </a:p>
-          </p:txBody>
-        </p:sp>
-        <p:sp>
-          <p:nvSpPr>
-            <p:cNvPr id="893" name="Shape 893"/>
-            <p:cNvSpPr txBox="1"/>
-            <p:nvPr/>
-          </p:nvSpPr>
-          <p:spPr>
-            <a:xfrm>
-              <a:off x="2965651" y="3716458"/>
-              <a:ext cx="1947741" cy="749020"/>
-            </a:xfrm>
-            <a:prstGeom prst="rect">
-              <a:avLst/>
-            </a:prstGeom>
-            <a:noFill/>
-            <a:ln>
-              <a:noFill/>
-            </a:ln>
-          </p:spPr>
-          <p:txBody>
-            <a:bodyPr spcFirstLastPara="1" wrap="square" lIns="91425" tIns="91425" rIns="91425" bIns="91425" anchor="t" anchorCtr="0">
-              <a:noAutofit/>
-            </a:bodyPr>
-            <a:lstStyle/>
-            <a:p>
-              <a:pPr marL="0" lvl="0" indent="0" algn="ctr">
-                <a:lnSpc>
-                  <a:spcPct val="115000"/>
-                </a:lnSpc>
-                <a:spcBef>
-                  <a:spcPts val="0"/>
-                </a:spcBef>
-                <a:spcAft>
-                  <a:spcPts val="1600"/>
-                </a:spcAft>
-                <a:buNone/>
-              </a:pPr>
-              <a:r>
-                <a:rPr lang="en" sz="1000">
-                  <a:solidFill>
-                    <a:srgbClr val="FFFFFF"/>
-                  </a:solidFill>
-                  <a:latin typeface="Titillium Web"/>
-                  <a:ea typeface="Titillium Web"/>
-                  <a:cs typeface="Titillium Web"/>
-                  <a:sym typeface="Titillium Web"/>
-                </a:rPr>
-                <a:t>Lorem ipsum dolor sit amet, consectetur adipiscing. Lorem ipsum dolor sit.</a:t>
-              </a:r>
-              <a:endParaRPr sz="1000">
-                <a:solidFill>
-                  <a:srgbClr val="FFFFFF"/>
-                </a:solidFill>
-                <a:latin typeface="Titillium Web"/>
-                <a:ea typeface="Titillium Web"/>
-                <a:cs typeface="Titillium Web"/>
-                <a:sym typeface="Titillium Web"/>
-              </a:endParaRPr>
-            </a:p>
-          </p:txBody>
-        </p:sp>
-        <p:sp>
-          <p:nvSpPr>
-            <p:cNvPr id="894" name="Shape 894"/>
-            <p:cNvSpPr/>
-            <p:nvPr/>
-          </p:nvSpPr>
-          <p:spPr>
-            <a:xfrm>
-              <a:off x="3885558" y="3594321"/>
-              <a:ext cx="107928" cy="80946"/>
-            </a:xfrm>
-            <a:prstGeom prst="triangle">
-              <a:avLst>
-                <a:gd name="adj" fmla="val 50000"/>
-              </a:avLst>
-            </a:prstGeom>
-            <a:solidFill>
-              <a:srgbClr val="6E86B6"/>
-            </a:solidFill>
-            <a:ln>
-              <a:noFill/>
-            </a:ln>
-          </p:spPr>
-          <p:txBody>
-            <a:bodyPr spcFirstLastPara="1" wrap="square" lIns="91425" tIns="91425" rIns="91425" bIns="91425" anchor="ctr" anchorCtr="0">
-              <a:noAutofit/>
-            </a:bodyPr>
-            <a:lstStyle/>
-            <a:p>
-              <a:pPr marL="0" lvl="0" indent="0">
-                <a:spcBef>
-                  <a:spcPts val="0"/>
-                </a:spcBef>
-                <a:spcAft>
-                  <a:spcPts val="0"/>
-                </a:spcAft>
-                <a:buNone/>
-              </a:pPr>
-              <a:endParaRPr sz="1000">
-                <a:solidFill>
-                  <a:srgbClr val="FFFFFF"/>
-                </a:solidFill>
-                <a:latin typeface="Titillium Web"/>
-                <a:ea typeface="Titillium Web"/>
-                <a:cs typeface="Titillium Web"/>
-                <a:sym typeface="Titillium Web"/>
-              </a:endParaRPr>
-            </a:p>
-          </p:txBody>
-        </p:sp>
-      </p:grpSp>
-      <p:sp>
-        <p:nvSpPr>
-          <p:cNvPr id="895" name="Shape 895"/>
-          <p:cNvSpPr/>
-          <p:nvPr/>
-        </p:nvSpPr>
-        <p:spPr>
-          <a:xfrm rot="-711057">
-            <a:off x="822911" y="2972399"/>
-            <a:ext cx="1620031" cy="69019"/>
-          </a:xfrm>
-          <a:prstGeom prst="roundRect">
-            <a:avLst>
-              <a:gd name="adj" fmla="val 50000"/>
-            </a:avLst>
-          </a:prstGeom>
-          <a:solidFill>
-            <a:srgbClr val="6E86B6"/>
-          </a:solidFill>
-          <a:ln>
-            <a:noFill/>
-          </a:ln>
-        </p:spPr>
-        <p:txBody>
-          <a:bodyPr spcFirstLastPara="1" wrap="square" lIns="91425" tIns="91425" rIns="91425" bIns="91425" anchor="ctr" anchorCtr="0">
-            <a:noAutofit/>
-          </a:bodyPr>
-          <a:lstStyle/>
-          <a:p>
-            <a:pPr marL="0" lvl="0" indent="0">
-              <a:spcBef>
-                <a:spcPts val="0"/>
-              </a:spcBef>
-              <a:spcAft>
-                <a:spcPts val="0"/>
-              </a:spcAft>
-              <a:buNone/>
-            </a:pPr>
-            <a:endParaRPr sz="1000">
-              <a:solidFill>
-                <a:srgbClr val="FFFFFF"/>
-              </a:solidFill>
-              <a:latin typeface="Titillium Web"/>
-              <a:ea typeface="Titillium Web"/>
-              <a:cs typeface="Titillium Web"/>
-              <a:sym typeface="Titillium Web"/>
-            </a:endParaRPr>
-          </a:p>
-        </p:txBody>
-      </p:sp>
-      <p:grpSp>
-        <p:nvGrpSpPr>
-          <p:cNvPr id="896" name="Shape 896"/>
-          <p:cNvGrpSpPr/>
-          <p:nvPr/>
-        </p:nvGrpSpPr>
-        <p:grpSpPr>
-          <a:xfrm>
-            <a:off x="1369440" y="1479246"/>
-            <a:ext cx="2053870" cy="1495107"/>
-            <a:chOff x="1369440" y="1479246"/>
-            <a:chExt cx="2053870" cy="1495107"/>
-          </a:xfrm>
-        </p:grpSpPr>
-        <p:sp>
-          <p:nvSpPr>
-            <p:cNvPr id="897" name="Shape 897"/>
-            <p:cNvSpPr/>
-            <p:nvPr/>
-          </p:nvSpPr>
-          <p:spPr>
-            <a:xfrm>
-              <a:off x="1369440" y="1479246"/>
-              <a:ext cx="2053870" cy="843637"/>
-            </a:xfrm>
-            <a:prstGeom prst="roundRect">
-              <a:avLst>
-                <a:gd name="adj" fmla="val 4485"/>
-              </a:avLst>
-            </a:prstGeom>
-            <a:solidFill>
-              <a:srgbClr val="6E86B6"/>
-            </a:solidFill>
-            <a:ln>
-              <a:noFill/>
-            </a:ln>
-          </p:spPr>
-          <p:txBody>
-            <a:bodyPr spcFirstLastPara="1" wrap="square" lIns="91425" tIns="91425" rIns="91425" bIns="91425" anchor="ctr" anchorCtr="0">
-              <a:noAutofit/>
-            </a:bodyPr>
-            <a:lstStyle/>
-            <a:p>
-              <a:pPr marL="0" lvl="0" indent="0">
-                <a:spcBef>
-                  <a:spcPts val="0"/>
-                </a:spcBef>
-                <a:spcAft>
-                  <a:spcPts val="0"/>
-                </a:spcAft>
-                <a:buNone/>
-              </a:pPr>
-              <a:endParaRPr sz="1000">
-                <a:solidFill>
-                  <a:srgbClr val="FFFFFF"/>
-                </a:solidFill>
-                <a:latin typeface="Titillium Web"/>
-                <a:ea typeface="Titillium Web"/>
-                <a:cs typeface="Titillium Web"/>
-                <a:sym typeface="Titillium Web"/>
-              </a:endParaRPr>
-            </a:p>
-            <a:p>
-              <a:pPr marL="0" lvl="0" indent="0">
-                <a:spcBef>
-                  <a:spcPts val="0"/>
-                </a:spcBef>
-                <a:spcAft>
-                  <a:spcPts val="0"/>
-                </a:spcAft>
-                <a:buNone/>
-              </a:pPr>
-              <a:endParaRPr sz="1000">
-                <a:solidFill>
-                  <a:srgbClr val="FFFFFF"/>
-                </a:solidFill>
-                <a:latin typeface="Titillium Web"/>
-                <a:ea typeface="Titillium Web"/>
-                <a:cs typeface="Titillium Web"/>
-                <a:sym typeface="Titillium Web"/>
-              </a:endParaRPr>
-            </a:p>
-            <a:p>
-              <a:pPr marL="0" lvl="0" indent="0">
-                <a:spcBef>
-                  <a:spcPts val="0"/>
-                </a:spcBef>
-                <a:spcAft>
-                  <a:spcPts val="0"/>
-                </a:spcAft>
-                <a:buNone/>
-              </a:pPr>
-              <a:endParaRPr sz="1000">
-                <a:solidFill>
-                  <a:srgbClr val="FFFFFF"/>
-                </a:solidFill>
-                <a:latin typeface="Titillium Web"/>
-                <a:ea typeface="Titillium Web"/>
-                <a:cs typeface="Titillium Web"/>
-                <a:sym typeface="Titillium Web"/>
-              </a:endParaRPr>
-            </a:p>
-            <a:p>
-              <a:pPr marL="0" lvl="0" indent="0">
-                <a:spcBef>
-                  <a:spcPts val="0"/>
-                </a:spcBef>
-                <a:spcAft>
-                  <a:spcPts val="0"/>
-                </a:spcAft>
-                <a:buNone/>
-              </a:pPr>
-              <a:endParaRPr sz="1000">
-                <a:solidFill>
-                  <a:srgbClr val="FFFFFF"/>
-                </a:solidFill>
-                <a:latin typeface="Titillium Web"/>
-                <a:ea typeface="Titillium Web"/>
-                <a:cs typeface="Titillium Web"/>
-                <a:sym typeface="Titillium Web"/>
-              </a:endParaRPr>
-            </a:p>
-            <a:p>
-              <a:pPr marL="0" lvl="0" indent="0">
-                <a:spcBef>
-                  <a:spcPts val="0"/>
-                </a:spcBef>
-                <a:spcAft>
-                  <a:spcPts val="0"/>
-                </a:spcAft>
-                <a:buNone/>
-              </a:pPr>
-              <a:endParaRPr sz="1000">
-                <a:solidFill>
-                  <a:srgbClr val="FFFFFF"/>
-                </a:solidFill>
-                <a:latin typeface="Titillium Web"/>
-                <a:ea typeface="Titillium Web"/>
-                <a:cs typeface="Titillium Web"/>
-                <a:sym typeface="Titillium Web"/>
-              </a:endParaRPr>
-            </a:p>
-            <a:p>
-              <a:pPr marL="0" lvl="0" indent="0">
-                <a:spcBef>
-                  <a:spcPts val="0"/>
-                </a:spcBef>
-                <a:spcAft>
-                  <a:spcPts val="0"/>
-                </a:spcAft>
-                <a:buNone/>
-              </a:pPr>
-              <a:endParaRPr sz="1000">
-                <a:solidFill>
-                  <a:srgbClr val="FFFFFF"/>
-                </a:solidFill>
-                <a:latin typeface="Titillium Web"/>
-                <a:ea typeface="Titillium Web"/>
-                <a:cs typeface="Titillium Web"/>
-                <a:sym typeface="Titillium Web"/>
-              </a:endParaRPr>
-            </a:p>
-            <a:p>
-              <a:pPr marL="0" lvl="0" indent="0">
-                <a:spcBef>
-                  <a:spcPts val="0"/>
-                </a:spcBef>
-                <a:spcAft>
-                  <a:spcPts val="0"/>
-                </a:spcAft>
-                <a:buNone/>
-              </a:pPr>
-              <a:endParaRPr sz="1000">
-                <a:solidFill>
-                  <a:srgbClr val="FFFFFF"/>
-                </a:solidFill>
-                <a:latin typeface="Titillium Web"/>
-                <a:ea typeface="Titillium Web"/>
-                <a:cs typeface="Titillium Web"/>
-                <a:sym typeface="Titillium Web"/>
-              </a:endParaRPr>
-            </a:p>
-          </p:txBody>
-        </p:sp>
-        <p:sp>
-          <p:nvSpPr>
-            <p:cNvPr id="898" name="Shape 898"/>
-            <p:cNvSpPr txBox="1"/>
-            <p:nvPr/>
-          </p:nvSpPr>
-          <p:spPr>
-            <a:xfrm>
-              <a:off x="1977517" y="2397059"/>
-              <a:ext cx="835722" cy="330979"/>
-            </a:xfrm>
-            <a:prstGeom prst="rect">
-              <a:avLst/>
-            </a:prstGeom>
-            <a:noFill/>
-            <a:ln>
-              <a:noFill/>
-            </a:ln>
-          </p:spPr>
-          <p:txBody>
-            <a:bodyPr spcFirstLastPara="1" wrap="square" lIns="91425" tIns="91425" rIns="91425" bIns="91425" anchor="t" anchorCtr="0">
-              <a:noAutofit/>
-            </a:bodyPr>
-            <a:lstStyle/>
-            <a:p>
-              <a:pPr marL="0" lvl="0" indent="0" algn="ctr">
-                <a:lnSpc>
-                  <a:spcPct val="115000"/>
-                </a:lnSpc>
-                <a:spcBef>
-                  <a:spcPts val="0"/>
-                </a:spcBef>
-                <a:spcAft>
-                  <a:spcPts val="1600"/>
-                </a:spcAft>
-                <a:buNone/>
-              </a:pPr>
-              <a:r>
-                <a:rPr lang="en" sz="1000">
-                  <a:solidFill>
-                    <a:srgbClr val="6E86B6"/>
-                  </a:solidFill>
-                  <a:latin typeface="Titillium Web"/>
-                  <a:ea typeface="Titillium Web"/>
-                  <a:cs typeface="Titillium Web"/>
-                  <a:sym typeface="Titillium Web"/>
-                </a:rPr>
-                <a:t>20XX</a:t>
-              </a:r>
-              <a:endParaRPr sz="1000">
-                <a:solidFill>
-                  <a:srgbClr val="6E86B6"/>
-                </a:solidFill>
-                <a:latin typeface="Titillium Web"/>
-                <a:ea typeface="Titillium Web"/>
-                <a:cs typeface="Titillium Web"/>
-                <a:sym typeface="Titillium Web"/>
-              </a:endParaRPr>
-            </a:p>
-          </p:txBody>
-        </p:sp>
-        <p:sp>
-          <p:nvSpPr>
-            <p:cNvPr id="899" name="Shape 899"/>
-            <p:cNvSpPr/>
-            <p:nvPr/>
-          </p:nvSpPr>
-          <p:spPr>
-            <a:xfrm rot="10800000">
-              <a:off x="2342381" y="2317599"/>
-              <a:ext cx="107928" cy="80946"/>
-            </a:xfrm>
-            <a:prstGeom prst="triangle">
-              <a:avLst>
-                <a:gd name="adj" fmla="val 50000"/>
-              </a:avLst>
-            </a:prstGeom>
-            <a:solidFill>
-              <a:srgbClr val="6E86B6"/>
-            </a:solidFill>
-            <a:ln>
-              <a:noFill/>
-            </a:ln>
-          </p:spPr>
-          <p:txBody>
-            <a:bodyPr spcFirstLastPara="1" wrap="square" lIns="91425" tIns="91425" rIns="91425" bIns="91425" anchor="ctr" anchorCtr="0">
-              <a:noAutofit/>
-            </a:bodyPr>
-            <a:lstStyle/>
-            <a:p>
-              <a:pPr marL="0" lvl="0" indent="0">
-                <a:spcBef>
-                  <a:spcPts val="0"/>
-                </a:spcBef>
-                <a:spcAft>
-                  <a:spcPts val="0"/>
-                </a:spcAft>
-                <a:buNone/>
-              </a:pPr>
-              <a:endParaRPr sz="1000">
-                <a:solidFill>
-                  <a:srgbClr val="FFFFFF"/>
-                </a:solidFill>
-                <a:latin typeface="Titillium Web"/>
-                <a:ea typeface="Titillium Web"/>
-                <a:cs typeface="Titillium Web"/>
-                <a:sym typeface="Titillium Web"/>
-              </a:endParaRPr>
-            </a:p>
-          </p:txBody>
-        </p:sp>
-        <p:sp>
-          <p:nvSpPr>
-            <p:cNvPr id="900" name="Shape 900"/>
-            <p:cNvSpPr txBox="1"/>
-            <p:nvPr/>
-          </p:nvSpPr>
-          <p:spPr>
-            <a:xfrm>
-              <a:off x="1422504" y="1523856"/>
-              <a:ext cx="1947741" cy="749020"/>
-            </a:xfrm>
-            <a:prstGeom prst="rect">
-              <a:avLst/>
-            </a:prstGeom>
-            <a:noFill/>
-            <a:ln>
-              <a:noFill/>
-            </a:ln>
-          </p:spPr>
-          <p:txBody>
-            <a:bodyPr spcFirstLastPara="1" wrap="square" lIns="91425" tIns="91425" rIns="91425" bIns="91425" anchor="t" anchorCtr="0">
-              <a:noAutofit/>
-            </a:bodyPr>
-            <a:lstStyle/>
-            <a:p>
-              <a:pPr marL="0" lvl="0" indent="0" algn="ctr">
-                <a:lnSpc>
-                  <a:spcPct val="115000"/>
-                </a:lnSpc>
-                <a:spcBef>
-                  <a:spcPts val="0"/>
-                </a:spcBef>
-                <a:spcAft>
-                  <a:spcPts val="1600"/>
-                </a:spcAft>
-                <a:buNone/>
-              </a:pPr>
-              <a:r>
-                <a:rPr lang="en" sz="1000" dirty="0">
-                  <a:solidFill>
-                    <a:srgbClr val="FFFFFF"/>
-                  </a:solidFill>
-                  <a:latin typeface="Titillium Web"/>
-                  <a:ea typeface="Titillium Web"/>
-                  <a:cs typeface="Titillium Web"/>
-                  <a:sym typeface="Titillium Web"/>
-                </a:rPr>
-                <a:t>Lorem ipsum dolor sit amet, consectetur adipiscing. Lorem ipsum dolor sit.</a:t>
-              </a:r>
-              <a:endParaRPr sz="1000" dirty="0">
-                <a:solidFill>
-                  <a:srgbClr val="FFFFFF"/>
-                </a:solidFill>
-                <a:latin typeface="Titillium Web"/>
-                <a:ea typeface="Titillium Web"/>
-                <a:cs typeface="Titillium Web"/>
-                <a:sym typeface="Titillium Web"/>
-              </a:endParaRPr>
-            </a:p>
-          </p:txBody>
-        </p:sp>
-        <p:sp>
-          <p:nvSpPr>
-            <p:cNvPr id="901" name="Shape 901"/>
-            <p:cNvSpPr/>
-            <p:nvPr/>
-          </p:nvSpPr>
-          <p:spPr>
-            <a:xfrm rot="-1789476">
-              <a:off x="2296769" y="2746834"/>
-              <a:ext cx="192413" cy="192413"/>
-            </a:xfrm>
-            <a:prstGeom prst="ellipse">
-              <a:avLst/>
-            </a:prstGeom>
-            <a:solidFill>
-              <a:srgbClr val="FFFFFF"/>
-            </a:solidFill>
-            <a:ln w="38100" cap="flat" cmpd="sng">
-              <a:solidFill>
-                <a:srgbClr val="6E86B6"/>
-              </a:solidFill>
-              <a:prstDash val="solid"/>
-              <a:round/>
-              <a:headEnd type="none" w="sm" len="sm"/>
-              <a:tailEnd type="none" w="sm" len="sm"/>
-            </a:ln>
-          </p:spPr>
-          <p:txBody>
-            <a:bodyPr spcFirstLastPara="1" wrap="square" lIns="91425" tIns="91425" rIns="91425" bIns="91425" anchor="ctr" anchorCtr="0">
-              <a:noAutofit/>
-            </a:bodyPr>
-            <a:lstStyle/>
-            <a:p>
-              <a:pPr marL="0" lvl="0" indent="0">
-                <a:spcBef>
-                  <a:spcPts val="0"/>
-                </a:spcBef>
-                <a:spcAft>
-                  <a:spcPts val="0"/>
-                </a:spcAft>
-                <a:buNone/>
-              </a:pPr>
-              <a:endParaRPr sz="1000">
-                <a:solidFill>
-                  <a:srgbClr val="FFFFFF"/>
-                </a:solidFill>
-                <a:latin typeface="Titillium Web"/>
-                <a:ea typeface="Titillium Web"/>
-                <a:cs typeface="Titillium Web"/>
-                <a:sym typeface="Titillium Web"/>
-              </a:endParaRPr>
-            </a:p>
-          </p:txBody>
-        </p:sp>
-      </p:grpSp>
       <p:pic>
         <p:nvPicPr>
           <p:cNvPr id="33" name="Picture 32"/>
@@ -48229,6 +46335,60 @@
           </a:p>
         </p:txBody>
       </p:sp>
+      <p:pic>
+        <p:nvPicPr>
+          <p:cNvPr id="1026" name="Picture 2"/>
+          <p:cNvPicPr>
+            <a:picLocks noChangeAspect="1" noChangeArrowheads="1"/>
+          </p:cNvPicPr>
+          <p:nvPr/>
+        </p:nvPicPr>
+        <p:blipFill>
+          <a:blip r:embed="rId4">
+            <a:extLst>
+              <a:ext uri="{28A0092B-C50C-407E-A947-70E740481C1C}">
+                <a14:useLocalDpi xmlns:a14="http://schemas.microsoft.com/office/drawing/2010/main" val="0"/>
+              </a:ext>
+            </a:extLst>
+          </a:blip>
+          <a:srcRect/>
+          <a:stretch>
+            <a:fillRect/>
+          </a:stretch>
+        </p:blipFill>
+        <p:spPr bwMode="auto">
+          <a:xfrm>
+            <a:off x="735759" y="619899"/>
+            <a:ext cx="7524750" cy="4362450"/>
+          </a:xfrm>
+          <a:prstGeom prst="rect">
+            <a:avLst/>
+          </a:prstGeom>
+          <a:noFill/>
+          <a:ln>
+            <a:noFill/>
+          </a:ln>
+          <a:extLst>
+            <a:ext uri="{909E8E84-426E-40DD-AFC4-6F175D3DCCD1}">
+              <a14:hiddenFill xmlns:a14="http://schemas.microsoft.com/office/drawing/2010/main">
+                <a:solidFill>
+                  <a:schemeClr val="accent1"/>
+                </a:solidFill>
+              </a14:hiddenFill>
+            </a:ext>
+            <a:ext uri="{91240B29-F687-4F45-9708-019B960494DF}">
+              <a14:hiddenLine xmlns:a14="http://schemas.microsoft.com/office/drawing/2010/main" w="9525">
+                <a:solidFill>
+                  <a:schemeClr val="tx1"/>
+                </a:solidFill>
+                <a:miter lim="800000"/>
+                <a:headEnd/>
+                <a:tailEnd/>
+              </a14:hiddenLine>
+            </a:ext>
+          </a:extLst>
+        </p:spPr>
+      </p:pic>
     </p:spTree>
   </p:cSld>
   <p:clrMapOvr>
